--- a/science/circuit11.pptx
+++ b/science/circuit11.pptx
@@ -1821,7 +1821,7 @@
           </a:ln>
           <a:extLst>
             <a:ext uri="{C572A759-6A51-4108-AA02-DFA0A04FC94B}">
-              <ma14:wrappingTextBoxFlag xmlns:ma14="http://schemas.microsoft.com/office/mac/drawingml/2011/main" xmlns="" val="1"/>
+              <ma14:wrappingTextBoxFlag xmlns="" xmlns:ma14="http://schemas.microsoft.com/office/mac/drawingml/2011/main" val="1"/>
             </a:ext>
           </a:extLst>
         </p:spPr>
@@ -1864,7 +1864,7 @@
           </a:ln>
           <a:extLst>
             <a:ext uri="{C572A759-6A51-4108-AA02-DFA0A04FC94B}">
-              <ma14:wrappingTextBoxFlag xmlns:ma14="http://schemas.microsoft.com/office/mac/drawingml/2011/main" xmlns="" val="1"/>
+              <ma14:wrappingTextBoxFlag xmlns="" xmlns:ma14="http://schemas.microsoft.com/office/mac/drawingml/2011/main" val="1"/>
             </a:ext>
           </a:extLst>
         </p:spPr>
@@ -4169,7 +4169,7 @@
         </p:nvGrpSpPr>
         <p:grpSpPr>
           <a:xfrm>
-            <a:off x="5720311" y="330887"/>
+            <a:off x="5720311" y="688696"/>
             <a:ext cx="3138295" cy="2497368"/>
             <a:chOff x="5786261" y="458483"/>
             <a:chExt cx="3412592" cy="2721500"/>
